--- a/game.pptx
+++ b/game.pptx
@@ -180,7 +180,7 @@
             <a:fld id="{2233D26B-DFC2-4248-8ED0-AD3E108CBDD7}" type="datetime1">
               <a:rPr lang="en-US" smtClean="0"/>
               <a:pPr/>
-              <a:t>7/14/14</a:t>
+              <a:t>7/17/14</a:t>
             </a:fld>
             <a:endParaRPr lang="en-US"/>
           </a:p>
@@ -498,7 +498,7 @@
             <a:fld id="{E694C003-38E8-486A-9BFD-47E55D87241C}" type="datetime1">
               <a:rPr lang="en-US" smtClean="0"/>
               <a:pPr/>
-              <a:t>7/14/14</a:t>
+              <a:t>7/17/14</a:t>
             </a:fld>
             <a:endParaRPr lang="en-US"/>
           </a:p>
@@ -675,7 +675,7 @@
             <a:fld id="{E059EAA3-934B-41DB-B3B1-806F4BE5CC37}" type="datetime1">
               <a:rPr lang="en-US" smtClean="0"/>
               <a:pPr/>
-              <a:t>7/14/14</a:t>
+              <a:t>7/17/14</a:t>
             </a:fld>
             <a:endParaRPr lang="en-US"/>
           </a:p>
@@ -795,7 +795,7 @@
             <a:fld id="{8F97F932-D99A-4087-BFB1-EA42FAFC8D2C}" type="datetime1">
               <a:rPr lang="en-US" smtClean="0"/>
               <a:pPr/>
-              <a:t>7/14/14</a:t>
+              <a:t>7/17/14</a:t>
             </a:fld>
             <a:endParaRPr lang="en-US"/>
           </a:p>
@@ -1095,7 +1095,7 @@
             <a:fld id="{79C96367-2F2B-4F6E-ACF4-15FA13738E10}" type="datetime1">
               <a:rPr lang="en-US" smtClean="0"/>
               <a:pPr/>
-              <a:t>7/14/14</a:t>
+              <a:t>7/17/14</a:t>
             </a:fld>
             <a:endParaRPr lang="en-US"/>
           </a:p>
@@ -1390,7 +1390,7 @@
             <a:fld id="{8FB3498D-21C7-408B-8EF5-5B55DEF0BFD5}" type="datetime1">
               <a:rPr lang="en-US" smtClean="0"/>
               <a:pPr/>
-              <a:t>7/14/14</a:t>
+              <a:t>7/17/14</a:t>
             </a:fld>
             <a:endParaRPr lang="en-US"/>
           </a:p>
@@ -1820,7 +1820,7 @@
             <a:fld id="{84DB246E-8FD1-42FF-94A4-E4133095C37A}" type="datetime1">
               <a:rPr lang="en-US" smtClean="0"/>
               <a:pPr/>
-              <a:t>7/14/14</a:t>
+              <a:t>7/17/14</a:t>
             </a:fld>
             <a:endParaRPr lang="en-US"/>
           </a:p>
@@ -1940,7 +1940,7 @@
             <a:fld id="{A93939D4-B818-4372-B1EE-7CB6D5BBC74A}" type="datetime1">
               <a:rPr lang="en-US" smtClean="0"/>
               <a:pPr/>
-              <a:t>7/14/14</a:t>
+              <a:t>7/17/14</a:t>
             </a:fld>
             <a:endParaRPr lang="en-US"/>
           </a:p>
@@ -2032,7 +2032,7 @@
             <a:fld id="{2F35E438-4D0D-4834-B658-A90420491D98}" type="datetime1">
               <a:rPr lang="en-US" smtClean="0"/>
               <a:pPr/>
-              <a:t>7/14/14</a:t>
+              <a:t>7/17/14</a:t>
             </a:fld>
             <a:endParaRPr lang="en-US"/>
           </a:p>
@@ -2284,7 +2284,7 @@
             <a:fld id="{76F8ADFA-7142-4015-85E6-1712F15FA709}" type="datetime1">
               <a:rPr lang="en-US" smtClean="0"/>
               <a:pPr/>
-              <a:t>7/14/14</a:t>
+              <a:t>7/17/14</a:t>
             </a:fld>
             <a:endParaRPr lang="en-US"/>
           </a:p>
@@ -2802,7 +2802,7 @@
             <a:fld id="{34A581E0-D653-4D78-A48F-41D80498BC7E}" type="datetime1">
               <a:rPr lang="en-US" smtClean="0"/>
               <a:pPr/>
-              <a:t>7/14/14</a:t>
+              <a:t>7/17/14</a:t>
             </a:fld>
             <a:endParaRPr lang="en-US"/>
           </a:p>
@@ -3034,7 +3034,7 @@
             <a:fld id="{8B3AFFF1-9C47-49F0-AE12-AF188F3F4E82}" type="datetime1">
               <a:rPr lang="en-US" smtClean="0"/>
               <a:pPr/>
-              <a:t>7/14/14</a:t>
+              <a:t>7/17/14</a:t>
             </a:fld>
             <a:endParaRPr lang="en-US" dirty="0"/>
           </a:p>
@@ -3557,20 +3557,10 @@
         </p:spPr>
         <p:txBody>
           <a:bodyPr>
-            <a:normAutofit fontScale="85000" lnSpcReduction="20000"/>
+            <a:normAutofit/>
           </a:bodyPr>
           <a:lstStyle/>
           <a:p>
-            <a:r>
-              <a:rPr lang="en-US" dirty="0" smtClean="0"/>
-              <a:t>Vera </a:t>
-            </a:r>
-          </a:p>
-          <a:p>
-            <a:r>
-              <a:rPr lang="en-US" dirty="0" smtClean="0"/>
-              <a:t>Kalinichenko</a:t>
-            </a:r>
             <a:endParaRPr lang="en-US" dirty="0"/>
           </a:p>
         </p:txBody>
@@ -3936,11 +3926,7 @@
           <a:p>
             <a:r>
               <a:rPr lang="en-US" dirty="0" smtClean="0"/>
-              <a:t>Slots. </a:t>
-            </a:r>
-            <a:r>
-              <a:rPr lang="en-US" dirty="0" smtClean="0"/>
-              <a:t>Probability to win 12.6%.</a:t>
+              <a:t>Slots. Probability to win 12.6%.</a:t>
             </a:r>
             <a:endParaRPr lang="en-US" dirty="0"/>
           </a:p>

--- a/game.pptx
+++ b/game.pptx
@@ -8,17 +8,20 @@
     <p:sldId id="256" r:id="rId2"/>
     <p:sldId id="257" r:id="rId3"/>
     <p:sldId id="258" r:id="rId4"/>
-    <p:sldId id="262" r:id="rId5"/>
-    <p:sldId id="264" r:id="rId6"/>
-    <p:sldId id="267" r:id="rId7"/>
-    <p:sldId id="268" r:id="rId8"/>
-    <p:sldId id="266" r:id="rId9"/>
-    <p:sldId id="265" r:id="rId10"/>
-    <p:sldId id="269" r:id="rId11"/>
-    <p:sldId id="260" r:id="rId12"/>
-    <p:sldId id="263" r:id="rId13"/>
-    <p:sldId id="261" r:id="rId14"/>
-    <p:sldId id="259" r:id="rId15"/>
+    <p:sldId id="270" r:id="rId5"/>
+    <p:sldId id="271" r:id="rId6"/>
+    <p:sldId id="262" r:id="rId7"/>
+    <p:sldId id="264" r:id="rId8"/>
+    <p:sldId id="267" r:id="rId9"/>
+    <p:sldId id="268" r:id="rId10"/>
+    <p:sldId id="266" r:id="rId11"/>
+    <p:sldId id="269" r:id="rId12"/>
+    <p:sldId id="265" r:id="rId13"/>
+    <p:sldId id="272" r:id="rId14"/>
+    <p:sldId id="260" r:id="rId15"/>
+    <p:sldId id="263" r:id="rId16"/>
+    <p:sldId id="261" r:id="rId17"/>
+    <p:sldId id="259" r:id="rId18"/>
   </p:sldIdLst>
   <p:sldSz cx="9144000" cy="6858000" type="screen4x3"/>
   <p:notesSz cx="6858000" cy="9144000"/>
@@ -3628,6 +3631,64 @@
             <p:ph type="title"/>
           </p:nvPr>
         </p:nvSpPr>
+        <p:spPr>
+          <a:xfrm>
+            <a:off x="609600" y="274638"/>
+            <a:ext cx="7924800" cy="3360335"/>
+          </a:xfrm>
+        </p:spPr>
+        <p:txBody>
+          <a:bodyPr/>
+          <a:lstStyle/>
+          <a:p>
+            <a:r>
+              <a:rPr lang="en-US" sz="2000" dirty="0" smtClean="0"/>
+              <a:t>What’s is the optimal number of games the player has to play attaining the maximum probability to win?</a:t>
+            </a:r>
+            <a:endParaRPr lang="en-US" sz="2000" dirty="0"/>
+          </a:p>
+        </p:txBody>
+      </p:sp>
+    </p:spTree>
+    <p:extLst>
+      <p:ext uri="{BB962C8B-B14F-4D97-AF65-F5344CB8AC3E}">
+        <p14:creationId xmlns:p14="http://schemas.microsoft.com/office/powerpoint/2010/main" val="1313687846"/>
+      </p:ext>
+    </p:extLst>
+  </p:cSld>
+  <p:clrMapOvr>
+    <a:masterClrMapping/>
+  </p:clrMapOvr>
+</p:sld>
+</file>
+
+<file path=ppt/slides/slide11.xml><?xml version="1.0" encoding="utf-8"?>
+<p:sld xmlns:a="http://schemas.openxmlformats.org/drawingml/2006/main" xmlns:r="http://schemas.openxmlformats.org/officeDocument/2006/relationships" xmlns:p="http://schemas.openxmlformats.org/presentationml/2006/main">
+  <p:cSld>
+    <p:spTree>
+      <p:nvGrpSpPr>
+        <p:cNvPr id="1" name=""/>
+        <p:cNvGrpSpPr/>
+        <p:nvPr/>
+      </p:nvGrpSpPr>
+      <p:grpSpPr>
+        <a:xfrm>
+          <a:off x="0" y="0"/>
+          <a:ext cx="0" cy="0"/>
+          <a:chOff x="0" y="0"/>
+          <a:chExt cx="0" cy="0"/>
+        </a:xfrm>
+      </p:grpSpPr>
+      <p:sp>
+        <p:nvSpPr>
+          <p:cNvPr id="2" name="Title 1"/>
+          <p:cNvSpPr>
+            <a:spLocks noGrp="1"/>
+          </p:cNvSpPr>
+          <p:nvPr>
+            <p:ph type="title"/>
+          </p:nvPr>
+        </p:nvSpPr>
         <p:spPr/>
         <p:txBody>
           <a:bodyPr/>
@@ -3665,7 +3726,15 @@
             </a:br>
             <a:r>
               <a:rPr lang="en-US" sz="1200" b="1" dirty="0"/>
-              <a:t>play the best three out of five games or the best four out of </a:t>
+              <a:t>play the best </a:t>
+            </a:r>
+            <a:r>
+              <a:rPr lang="en-US" sz="1200" b="1" dirty="0" smtClean="0"/>
+              <a:t>two </a:t>
+            </a:r>
+            <a:r>
+              <a:rPr lang="en-US" sz="1200" b="1" dirty="0"/>
+              <a:t>out of five games or the best four out of </a:t>
             </a:r>
             <a:r>
               <a:rPr lang="en-US" sz="1200" dirty="0"/>
@@ -3675,8 +3744,12 @@
               <a:rPr lang="en-US" sz="1200" dirty="0"/>
             </a:br>
             <a:r>
+              <a:rPr lang="en-US" sz="1200" b="1" dirty="0" smtClean="0"/>
+              <a:t>ten? </a:t>
+            </a:r>
+            <a:r>
               <a:rPr lang="en-US" sz="1200" b="1" dirty="0"/>
-              <a:t>seven? Assume the outcomes of successive games are </a:t>
+              <a:t>Assume the outcomes of successive games are </a:t>
             </a:r>
             <a:r>
               <a:rPr lang="en-US" sz="1200" dirty="0"/>
@@ -3700,25 +3773,707 @@
           </a:p>
         </p:txBody>
       </p:sp>
-      <p:sp>
-        <p:nvSpPr>
-          <p:cNvPr id="3" name="Content Placeholder 2"/>
-          <p:cNvSpPr>
-            <a:spLocks noGrp="1"/>
-          </p:cNvSpPr>
+      <p:graphicFrame>
+        <p:nvGraphicFramePr>
+          <p:cNvPr id="4" name="Content Placeholder 3"/>
+          <p:cNvGraphicFramePr>
+            <a:graphicFrameLocks noGrp="1"/>
+          </p:cNvGraphicFramePr>
           <p:nvPr>
             <p:ph sz="quarter" idx="13"/>
-          </p:nvPr>
-        </p:nvSpPr>
-        <p:spPr/>
-        <p:txBody>
-          <a:bodyPr/>
-          <a:lstStyle/>
-          <a:p>
-            <a:endParaRPr lang="en-US"/>
-          </a:p>
-        </p:txBody>
-      </p:sp>
+            <p:extLst>
+              <p:ext uri="{D42A27DB-BD31-4B8C-83A1-F6EECF244321}">
+                <p14:modId xmlns:p14="http://schemas.microsoft.com/office/powerpoint/2010/main" val="279001395"/>
+              </p:ext>
+            </p:extLst>
+          </p:nvPr>
+        </p:nvGraphicFramePr>
+        <p:xfrm>
+          <a:off x="609600" y="1600200"/>
+          <a:ext cx="7924800" cy="3337560"/>
+        </p:xfrm>
+        <a:graphic>
+          <a:graphicData uri="http://schemas.openxmlformats.org/drawingml/2006/table">
+            <a:tbl>
+              <a:tblPr firstRow="1" bandRow="1">
+                <a:tableStyleId>{5C22544A-7EE6-4342-B048-85BDC9FD1C3A}</a:tableStyleId>
+              </a:tblPr>
+              <a:tblGrid>
+                <a:gridCol w="1981200"/>
+                <a:gridCol w="1981200"/>
+                <a:gridCol w="1981200"/>
+                <a:gridCol w="1981200"/>
+              </a:tblGrid>
+              <a:tr h="370840">
+                <a:tc>
+                  <a:txBody>
+                    <a:bodyPr/>
+                    <a:lstStyle/>
+                    <a:p>
+                      <a:pPr algn="l" fontAlgn="b"/>
+                      <a:r>
+                        <a:rPr lang="en-US" sz="1000" b="0" i="0" u="none" strike="noStrike">
+                          <a:effectLst/>
+                          <a:latin typeface="Arial"/>
+                        </a:rPr>
+                        <a:t>N</a:t>
+                      </a:r>
+                    </a:p>
+                  </a:txBody>
+                  <a:tcPr marL="12700" marR="12700" marT="12700" marB="0" anchor="b"/>
+                </a:tc>
+                <a:tc>
+                  <a:txBody>
+                    <a:bodyPr/>
+                    <a:lstStyle/>
+                    <a:p>
+                      <a:pPr algn="l" fontAlgn="b"/>
+                      <a:r>
+                        <a:rPr lang="en-US" sz="1000" b="0" i="0" u="none" strike="noStrike">
+                          <a:effectLst/>
+                          <a:latin typeface="Arial"/>
+                        </a:rPr>
+                        <a:t>k</a:t>
+                      </a:r>
+                    </a:p>
+                  </a:txBody>
+                  <a:tcPr marL="12700" marR="12700" marT="12700" marB="0" anchor="b"/>
+                </a:tc>
+                <a:tc>
+                  <a:txBody>
+                    <a:bodyPr/>
+                    <a:lstStyle/>
+                    <a:p>
+                      <a:pPr algn="l" fontAlgn="b"/>
+                      <a:r>
+                        <a:rPr lang="en-US" sz="1000" b="0" i="0" u="none" strike="noStrike">
+                          <a:effectLst/>
+                          <a:latin typeface="Arial"/>
+                        </a:rPr>
+                        <a:t>N choose k</a:t>
+                      </a:r>
+                    </a:p>
+                  </a:txBody>
+                  <a:tcPr marL="12700" marR="12700" marT="12700" marB="0" anchor="b"/>
+                </a:tc>
+                <a:tc>
+                  <a:txBody>
+                    <a:bodyPr/>
+                    <a:lstStyle/>
+                    <a:p>
+                      <a:pPr algn="l" fontAlgn="b"/>
+                      <a:r>
+                        <a:rPr lang="en-US" sz="1000" b="0" i="0" u="none" strike="noStrike" dirty="0" smtClean="0">
+                          <a:effectLst/>
+                          <a:latin typeface="Arial"/>
+                        </a:rPr>
+                        <a:t>Probability to win k times out of N</a:t>
+                      </a:r>
+                      <a:endParaRPr lang="en-US" sz="1000" b="0" i="0" u="none" strike="noStrike" dirty="0">
+                        <a:effectLst/>
+                        <a:latin typeface="Arial"/>
+                      </a:endParaRPr>
+                    </a:p>
+                  </a:txBody>
+                  <a:tcPr marL="12700" marR="12700" marT="12700" marB="0" anchor="b"/>
+                </a:tc>
+              </a:tr>
+              <a:tr h="370840">
+                <a:tc>
+                  <a:txBody>
+                    <a:bodyPr/>
+                    <a:lstStyle/>
+                    <a:p>
+                      <a:pPr algn="r" fontAlgn="b"/>
+                      <a:r>
+                        <a:rPr lang="en-US" sz="1000" b="0" i="0" u="none" strike="noStrike">
+                          <a:effectLst/>
+                          <a:latin typeface="Arial"/>
+                        </a:rPr>
+                        <a:t>10</a:t>
+                      </a:r>
+                    </a:p>
+                  </a:txBody>
+                  <a:tcPr marL="12700" marR="12700" marT="12700" marB="0" anchor="b"/>
+                </a:tc>
+                <a:tc>
+                  <a:txBody>
+                    <a:bodyPr/>
+                    <a:lstStyle/>
+                    <a:p>
+                      <a:pPr algn="r" fontAlgn="b"/>
+                      <a:r>
+                        <a:rPr lang="en-US" sz="1000" b="0" i="0" u="none" strike="noStrike">
+                          <a:effectLst/>
+                          <a:latin typeface="Arial"/>
+                        </a:rPr>
+                        <a:t>1</a:t>
+                      </a:r>
+                    </a:p>
+                  </a:txBody>
+                  <a:tcPr marL="12700" marR="12700" marT="12700" marB="0" anchor="b"/>
+                </a:tc>
+                <a:tc>
+                  <a:txBody>
+                    <a:bodyPr/>
+                    <a:lstStyle/>
+                    <a:p>
+                      <a:pPr algn="r" fontAlgn="b"/>
+                      <a:r>
+                        <a:rPr lang="en-US" sz="1000" b="0" i="0" u="none" strike="noStrike">
+                          <a:effectLst/>
+                          <a:latin typeface="Arial"/>
+                        </a:rPr>
+                        <a:t>10</a:t>
+                      </a:r>
+                    </a:p>
+                  </a:txBody>
+                  <a:tcPr marL="12700" marR="12700" marT="12700" marB="0" anchor="b"/>
+                </a:tc>
+                <a:tc>
+                  <a:txBody>
+                    <a:bodyPr/>
+                    <a:lstStyle/>
+                    <a:p>
+                      <a:pPr algn="r" fontAlgn="b"/>
+                      <a:r>
+                        <a:rPr lang="en-US" sz="1000" b="0" i="0" u="none" strike="noStrike">
+                          <a:effectLst/>
+                          <a:latin typeface="Arial"/>
+                        </a:rPr>
+                        <a:t>0.37495007</a:t>
+                      </a:r>
+                    </a:p>
+                  </a:txBody>
+                  <a:tcPr marL="12700" marR="12700" marT="12700" marB="0" anchor="b"/>
+                </a:tc>
+              </a:tr>
+              <a:tr h="370840">
+                <a:tc>
+                  <a:txBody>
+                    <a:bodyPr/>
+                    <a:lstStyle/>
+                    <a:p>
+                      <a:pPr algn="r" fontAlgn="b"/>
+                      <a:r>
+                        <a:rPr lang="en-US" sz="1000" b="0" i="0" u="none" strike="noStrike">
+                          <a:effectLst/>
+                          <a:latin typeface="Arial"/>
+                        </a:rPr>
+                        <a:t>10</a:t>
+                      </a:r>
+                    </a:p>
+                  </a:txBody>
+                  <a:tcPr marL="12700" marR="12700" marT="12700" marB="0" anchor="b"/>
+                </a:tc>
+                <a:tc>
+                  <a:txBody>
+                    <a:bodyPr/>
+                    <a:lstStyle/>
+                    <a:p>
+                      <a:pPr algn="r" fontAlgn="b"/>
+                      <a:r>
+                        <a:rPr lang="en-US" sz="1000" b="0" i="0" u="none" strike="noStrike">
+                          <a:effectLst/>
+                          <a:latin typeface="Arial"/>
+                        </a:rPr>
+                        <a:t>2</a:t>
+                      </a:r>
+                    </a:p>
+                  </a:txBody>
+                  <a:tcPr marL="12700" marR="12700" marT="12700" marB="0" anchor="b"/>
+                </a:tc>
+                <a:tc>
+                  <a:txBody>
+                    <a:bodyPr/>
+                    <a:lstStyle/>
+                    <a:p>
+                      <a:pPr algn="r" fontAlgn="b"/>
+                      <a:r>
+                        <a:rPr lang="en-US" sz="1000" b="0" i="0" u="none" strike="noStrike">
+                          <a:effectLst/>
+                          <a:latin typeface="Arial"/>
+                        </a:rPr>
+                        <a:t>45</a:t>
+                      </a:r>
+                    </a:p>
+                  </a:txBody>
+                  <a:tcPr marL="12700" marR="12700" marT="12700" marB="0" anchor="b"/>
+                </a:tc>
+                <a:tc>
+                  <a:txBody>
+                    <a:bodyPr/>
+                    <a:lstStyle/>
+                    <a:p>
+                      <a:pPr algn="r" fontAlgn="b"/>
+                      <a:r>
+                        <a:rPr lang="en-US" sz="1000" b="0" i="0" u="none" strike="noStrike">
+                          <a:effectLst/>
+                          <a:latin typeface="Arial"/>
+                        </a:rPr>
+                        <a:t>0.24324564</a:t>
+                      </a:r>
+                    </a:p>
+                  </a:txBody>
+                  <a:tcPr marL="12700" marR="12700" marT="12700" marB="0" anchor="b"/>
+                </a:tc>
+              </a:tr>
+              <a:tr h="370840">
+                <a:tc>
+                  <a:txBody>
+                    <a:bodyPr/>
+                    <a:lstStyle/>
+                    <a:p>
+                      <a:pPr algn="r" fontAlgn="b"/>
+                      <a:r>
+                        <a:rPr lang="en-US" sz="1000" b="0" i="0" u="none" strike="noStrike">
+                          <a:effectLst/>
+                          <a:latin typeface="Arial"/>
+                        </a:rPr>
+                        <a:t>10</a:t>
+                      </a:r>
+                    </a:p>
+                  </a:txBody>
+                  <a:tcPr marL="12700" marR="12700" marT="12700" marB="0" anchor="b"/>
+                </a:tc>
+                <a:tc>
+                  <a:txBody>
+                    <a:bodyPr/>
+                    <a:lstStyle/>
+                    <a:p>
+                      <a:pPr algn="r" fontAlgn="b"/>
+                      <a:r>
+                        <a:rPr lang="en-US" sz="1000" b="0" i="0" u="none" strike="noStrike">
+                          <a:effectLst/>
+                          <a:latin typeface="Arial"/>
+                        </a:rPr>
+                        <a:t>3</a:t>
+                      </a:r>
+                    </a:p>
+                  </a:txBody>
+                  <a:tcPr marL="12700" marR="12700" marT="12700" marB="0" anchor="b"/>
+                </a:tc>
+                <a:tc>
+                  <a:txBody>
+                    <a:bodyPr/>
+                    <a:lstStyle/>
+                    <a:p>
+                      <a:pPr algn="r" fontAlgn="b"/>
+                      <a:r>
+                        <a:rPr lang="en-US" sz="1000" b="0" i="0" u="none" strike="noStrike">
+                          <a:effectLst/>
+                          <a:latin typeface="Arial"/>
+                        </a:rPr>
+                        <a:t>120</a:t>
+                      </a:r>
+                    </a:p>
+                  </a:txBody>
+                  <a:tcPr marL="12700" marR="12700" marT="12700" marB="0" anchor="b"/>
+                </a:tc>
+                <a:tc>
+                  <a:txBody>
+                    <a:bodyPr/>
+                    <a:lstStyle/>
+                    <a:p>
+                      <a:pPr algn="r" fontAlgn="b"/>
+                      <a:r>
+                        <a:rPr lang="en-US" sz="1000" b="0" i="0" u="none" strike="noStrike">
+                          <a:effectLst/>
+                          <a:latin typeface="Arial"/>
+                        </a:rPr>
+                        <a:t>0.093513198</a:t>
+                      </a:r>
+                    </a:p>
+                  </a:txBody>
+                  <a:tcPr marL="12700" marR="12700" marT="12700" marB="0" anchor="b"/>
+                </a:tc>
+              </a:tr>
+              <a:tr h="370840">
+                <a:tc>
+                  <a:txBody>
+                    <a:bodyPr/>
+                    <a:lstStyle/>
+                    <a:p>
+                      <a:pPr algn="r" fontAlgn="b"/>
+                      <a:r>
+                        <a:rPr lang="en-US" sz="1000" b="0" i="0" u="none" strike="noStrike" dirty="0">
+                          <a:effectLst/>
+                          <a:latin typeface="Arial"/>
+                        </a:rPr>
+                        <a:t>10</a:t>
+                      </a:r>
+                    </a:p>
+                  </a:txBody>
+                  <a:tcPr marL="12700" marR="12700" marT="12700" marB="0" anchor="b">
+                    <a:solidFill>
+                      <a:srgbClr val="CCFFCC"/>
+                    </a:solidFill>
+                  </a:tcPr>
+                </a:tc>
+                <a:tc>
+                  <a:txBody>
+                    <a:bodyPr/>
+                    <a:lstStyle/>
+                    <a:p>
+                      <a:pPr algn="r" fontAlgn="b"/>
+                      <a:r>
+                        <a:rPr lang="en-US" sz="1000" b="0" i="0" u="none" strike="noStrike" dirty="0">
+                          <a:effectLst/>
+                          <a:latin typeface="Arial"/>
+                        </a:rPr>
+                        <a:t>4</a:t>
+                      </a:r>
+                    </a:p>
+                  </a:txBody>
+                  <a:tcPr marL="12700" marR="12700" marT="12700" marB="0" anchor="b">
+                    <a:solidFill>
+                      <a:srgbClr val="CCFFCC"/>
+                    </a:solidFill>
+                  </a:tcPr>
+                </a:tc>
+                <a:tc>
+                  <a:txBody>
+                    <a:bodyPr/>
+                    <a:lstStyle/>
+                    <a:p>
+                      <a:pPr algn="r" fontAlgn="b"/>
+                      <a:r>
+                        <a:rPr lang="en-US" sz="1000" b="0" i="0" u="none" strike="noStrike" dirty="0">
+                          <a:effectLst/>
+                          <a:latin typeface="Arial"/>
+                        </a:rPr>
+                        <a:t>210</a:t>
+                      </a:r>
+                    </a:p>
+                  </a:txBody>
+                  <a:tcPr marL="12700" marR="12700" marT="12700" marB="0" anchor="b">
+                    <a:solidFill>
+                      <a:srgbClr val="CCFFCC"/>
+                    </a:solidFill>
+                  </a:tcPr>
+                </a:tc>
+                <a:tc>
+                  <a:txBody>
+                    <a:bodyPr/>
+                    <a:lstStyle/>
+                    <a:p>
+                      <a:pPr algn="r" fontAlgn="b"/>
+                      <a:r>
+                        <a:rPr lang="en-US" sz="1000" b="0" i="0" u="none" strike="noStrike" dirty="0">
+                          <a:effectLst/>
+                          <a:latin typeface="Arial"/>
+                        </a:rPr>
+                        <a:t>0.023592289</a:t>
+                      </a:r>
+                    </a:p>
+                  </a:txBody>
+                  <a:tcPr marL="12700" marR="12700" marT="12700" marB="0" anchor="b">
+                    <a:solidFill>
+                      <a:srgbClr val="CCFFCC"/>
+                    </a:solidFill>
+                  </a:tcPr>
+                </a:tc>
+              </a:tr>
+              <a:tr h="370840">
+                <a:tc>
+                  <a:txBody>
+                    <a:bodyPr/>
+                    <a:lstStyle/>
+                    <a:p>
+                      <a:pPr algn="r" fontAlgn="b"/>
+                      <a:r>
+                        <a:rPr lang="en-US" sz="1000" b="0" i="0" u="none" strike="noStrike">
+                          <a:effectLst/>
+                          <a:latin typeface="Arial"/>
+                        </a:rPr>
+                        <a:t>10</a:t>
+                      </a:r>
+                    </a:p>
+                  </a:txBody>
+                  <a:tcPr marL="12700" marR="12700" marT="12700" marB="0" anchor="b"/>
+                </a:tc>
+                <a:tc>
+                  <a:txBody>
+                    <a:bodyPr/>
+                    <a:lstStyle/>
+                    <a:p>
+                      <a:pPr algn="r" fontAlgn="b"/>
+                      <a:r>
+                        <a:rPr lang="en-US" sz="1000" b="0" i="0" u="none" strike="noStrike">
+                          <a:effectLst/>
+                          <a:latin typeface="Arial"/>
+                        </a:rPr>
+                        <a:t>5</a:t>
+                      </a:r>
+                    </a:p>
+                  </a:txBody>
+                  <a:tcPr marL="12700" marR="12700" marT="12700" marB="0" anchor="b"/>
+                </a:tc>
+                <a:tc>
+                  <a:txBody>
+                    <a:bodyPr/>
+                    <a:lstStyle/>
+                    <a:p>
+                      <a:pPr algn="r" fontAlgn="b"/>
+                      <a:r>
+                        <a:rPr lang="en-US" sz="1000" b="0" i="0" u="none" strike="noStrike">
+                          <a:effectLst/>
+                          <a:latin typeface="Arial"/>
+                        </a:rPr>
+                        <a:t>252</a:t>
+                      </a:r>
+                    </a:p>
+                  </a:txBody>
+                  <a:tcPr marL="12700" marR="12700" marT="12700" marB="0" anchor="b"/>
+                </a:tc>
+                <a:tc>
+                  <a:txBody>
+                    <a:bodyPr/>
+                    <a:lstStyle/>
+                    <a:p>
+                      <a:pPr algn="r" fontAlgn="b"/>
+                      <a:r>
+                        <a:rPr lang="en-US" sz="1000" b="0" i="0" u="none" strike="noStrike">
+                          <a:effectLst/>
+                          <a:latin typeface="Arial"/>
+                        </a:rPr>
+                        <a:t>0.004081412</a:t>
+                      </a:r>
+                    </a:p>
+                  </a:txBody>
+                  <a:tcPr marL="12700" marR="12700" marT="12700" marB="0" anchor="b"/>
+                </a:tc>
+              </a:tr>
+              <a:tr h="370840">
+                <a:tc>
+                  <a:txBody>
+                    <a:bodyPr/>
+                    <a:lstStyle/>
+                    <a:p>
+                      <a:pPr algn="r" fontAlgn="b"/>
+                      <a:r>
+                        <a:rPr lang="en-US" sz="1000" b="0" i="0" u="none" strike="noStrike">
+                          <a:effectLst/>
+                          <a:latin typeface="Arial"/>
+                        </a:rPr>
+                        <a:t>5</a:t>
+                      </a:r>
+                    </a:p>
+                  </a:txBody>
+                  <a:tcPr marL="12700" marR="12700" marT="12700" marB="0" anchor="b"/>
+                </a:tc>
+                <a:tc>
+                  <a:txBody>
+                    <a:bodyPr/>
+                    <a:lstStyle/>
+                    <a:p>
+                      <a:pPr algn="r" fontAlgn="b"/>
+                      <a:r>
+                        <a:rPr lang="en-US" sz="1000" b="0" i="0" u="none" strike="noStrike">
+                          <a:effectLst/>
+                          <a:latin typeface="Arial"/>
+                        </a:rPr>
+                        <a:t>1</a:t>
+                      </a:r>
+                    </a:p>
+                  </a:txBody>
+                  <a:tcPr marL="12700" marR="12700" marT="12700" marB="0" anchor="b"/>
+                </a:tc>
+                <a:tc>
+                  <a:txBody>
+                    <a:bodyPr/>
+                    <a:lstStyle/>
+                    <a:p>
+                      <a:pPr algn="r" fontAlgn="b"/>
+                      <a:r>
+                        <a:rPr lang="en-US" sz="1000" b="0" i="0" u="none" strike="noStrike">
+                          <a:effectLst/>
+                          <a:latin typeface="Arial"/>
+                        </a:rPr>
+                        <a:t>5</a:t>
+                      </a:r>
+                    </a:p>
+                  </a:txBody>
+                  <a:tcPr marL="12700" marR="12700" marT="12700" marB="0" anchor="b"/>
+                </a:tc>
+                <a:tc>
+                  <a:txBody>
+                    <a:bodyPr/>
+                    <a:lstStyle/>
+                    <a:p>
+                      <a:pPr algn="r" fontAlgn="b"/>
+                      <a:r>
+                        <a:rPr lang="en-US" sz="1000" b="0" i="0" u="none" strike="noStrike">
+                          <a:effectLst/>
+                          <a:latin typeface="Arial"/>
+                        </a:rPr>
+                        <a:t>0.367609122</a:t>
+                      </a:r>
+                    </a:p>
+                  </a:txBody>
+                  <a:tcPr marL="12700" marR="12700" marT="12700" marB="0" anchor="b"/>
+                </a:tc>
+              </a:tr>
+              <a:tr h="370840">
+                <a:tc>
+                  <a:txBody>
+                    <a:bodyPr/>
+                    <a:lstStyle/>
+                    <a:p>
+                      <a:pPr algn="r" fontAlgn="b"/>
+                      <a:r>
+                        <a:rPr lang="en-US" sz="1000" b="0" i="0" u="none" strike="noStrike" dirty="0">
+                          <a:effectLst/>
+                          <a:latin typeface="Arial"/>
+                        </a:rPr>
+                        <a:t>5</a:t>
+                      </a:r>
+                    </a:p>
+                  </a:txBody>
+                  <a:tcPr marL="12700" marR="12700" marT="12700" marB="0" anchor="b">
+                    <a:solidFill>
+                      <a:srgbClr val="CCFFCC"/>
+                    </a:solidFill>
+                  </a:tcPr>
+                </a:tc>
+                <a:tc>
+                  <a:txBody>
+                    <a:bodyPr/>
+                    <a:lstStyle/>
+                    <a:p>
+                      <a:pPr algn="r" fontAlgn="b"/>
+                      <a:r>
+                        <a:rPr lang="en-US" sz="1000" b="0" i="0" u="none" strike="noStrike" dirty="0">
+                          <a:effectLst/>
+                          <a:latin typeface="Arial"/>
+                        </a:rPr>
+                        <a:t>2</a:t>
+                      </a:r>
+                    </a:p>
+                  </a:txBody>
+                  <a:tcPr marL="12700" marR="12700" marT="12700" marB="0" anchor="b">
+                    <a:solidFill>
+                      <a:srgbClr val="CCFFCC"/>
+                    </a:solidFill>
+                  </a:tcPr>
+                </a:tc>
+                <a:tc>
+                  <a:txBody>
+                    <a:bodyPr/>
+                    <a:lstStyle/>
+                    <a:p>
+                      <a:pPr algn="r" fontAlgn="b"/>
+                      <a:r>
+                        <a:rPr lang="en-US" sz="1000" b="0" i="0" u="none" strike="noStrike" dirty="0">
+                          <a:effectLst/>
+                          <a:latin typeface="Arial"/>
+                        </a:rPr>
+                        <a:t>10</a:t>
+                      </a:r>
+                    </a:p>
+                  </a:txBody>
+                  <a:tcPr marL="12700" marR="12700" marT="12700" marB="0" anchor="b">
+                    <a:solidFill>
+                      <a:srgbClr val="CCFFCC"/>
+                    </a:solidFill>
+                  </a:tcPr>
+                </a:tc>
+                <a:tc>
+                  <a:txBody>
+                    <a:bodyPr/>
+                    <a:lstStyle/>
+                    <a:p>
+                      <a:pPr algn="r" fontAlgn="b"/>
+                      <a:r>
+                        <a:rPr lang="en-US" sz="1000" b="0" i="0" u="none" strike="noStrike" dirty="0">
+                          <a:effectLst/>
+                          <a:latin typeface="Arial"/>
+                        </a:rPr>
+                        <a:t>0.105992562</a:t>
+                      </a:r>
+                    </a:p>
+                  </a:txBody>
+                  <a:tcPr marL="12700" marR="12700" marT="12700" marB="0" anchor="b">
+                    <a:solidFill>
+                      <a:srgbClr val="CCFFCC"/>
+                    </a:solidFill>
+                  </a:tcPr>
+                </a:tc>
+              </a:tr>
+              <a:tr h="370840">
+                <a:tc>
+                  <a:txBody>
+                    <a:bodyPr/>
+                    <a:lstStyle/>
+                    <a:p>
+                      <a:pPr algn="r" fontAlgn="b"/>
+                      <a:r>
+                        <a:rPr lang="en-US" sz="1000" b="0" i="0" u="none" strike="noStrike">
+                          <a:effectLst/>
+                          <a:latin typeface="Arial"/>
+                        </a:rPr>
+                        <a:t>5</a:t>
+                      </a:r>
+                    </a:p>
+                  </a:txBody>
+                  <a:tcPr marL="12700" marR="12700" marT="12700" marB="0" anchor="b"/>
+                </a:tc>
+                <a:tc>
+                  <a:txBody>
+                    <a:bodyPr/>
+                    <a:lstStyle/>
+                    <a:p>
+                      <a:pPr algn="r" fontAlgn="b"/>
+                      <a:r>
+                        <a:rPr lang="en-US" sz="1000" b="0" i="0" u="none" strike="noStrike">
+                          <a:effectLst/>
+                          <a:latin typeface="Arial"/>
+                        </a:rPr>
+                        <a:t>3</a:t>
+                      </a:r>
+                    </a:p>
+                  </a:txBody>
+                  <a:tcPr marL="12700" marR="12700" marT="12700" marB="0" anchor="b"/>
+                </a:tc>
+                <a:tc>
+                  <a:txBody>
+                    <a:bodyPr/>
+                    <a:lstStyle/>
+                    <a:p>
+                      <a:pPr algn="r" fontAlgn="b"/>
+                      <a:r>
+                        <a:rPr lang="en-US" sz="1000" b="0" i="0" u="none" strike="noStrike">
+                          <a:effectLst/>
+                          <a:latin typeface="Arial"/>
+                        </a:rPr>
+                        <a:t>10</a:t>
+                      </a:r>
+                    </a:p>
+                  </a:txBody>
+                  <a:tcPr marL="12700" marR="12700" marT="12700" marB="0" anchor="b"/>
+                </a:tc>
+                <a:tc>
+                  <a:txBody>
+                    <a:bodyPr/>
+                    <a:lstStyle/>
+                    <a:p>
+                      <a:pPr algn="r" fontAlgn="b"/>
+                      <a:r>
+                        <a:rPr lang="en-US" sz="1000" b="0" i="0" u="none" strike="noStrike" dirty="0">
+                          <a:effectLst/>
+                          <a:latin typeface="Arial"/>
+                        </a:rPr>
+                        <a:t>0.015280392</a:t>
+                      </a:r>
+                    </a:p>
+                  </a:txBody>
+                  <a:tcPr marL="12700" marR="12700" marT="12700" marB="0" anchor="b"/>
+                </a:tc>
+              </a:tr>
+            </a:tbl>
+          </a:graphicData>
+        </a:graphic>
+      </p:graphicFrame>
     </p:spTree>
     <p:extLst>
       <p:ext uri="{BB962C8B-B14F-4D97-AF65-F5344CB8AC3E}">
@@ -3732,7 +4487,180 @@
 </p:sld>
 </file>
 
-<file path=ppt/slides/slide11.xml><?xml version="1.0" encoding="utf-8"?>
+<file path=ppt/slides/slide12.xml><?xml version="1.0" encoding="utf-8"?>
+<p:sld xmlns:a="http://schemas.openxmlformats.org/drawingml/2006/main" xmlns:r="http://schemas.openxmlformats.org/officeDocument/2006/relationships" xmlns:p="http://schemas.openxmlformats.org/presentationml/2006/main">
+  <p:cSld>
+    <p:spTree>
+      <p:nvGrpSpPr>
+        <p:cNvPr id="1" name=""/>
+        <p:cNvGrpSpPr/>
+        <p:nvPr/>
+      </p:nvGrpSpPr>
+      <p:grpSpPr>
+        <a:xfrm>
+          <a:off x="0" y="0"/>
+          <a:ext cx="0" cy="0"/>
+          <a:chOff x="0" y="0"/>
+          <a:chExt cx="0" cy="0"/>
+        </a:xfrm>
+      </p:grpSpPr>
+      <p:sp>
+        <p:nvSpPr>
+          <p:cNvPr id="2" name="Title 1"/>
+          <p:cNvSpPr>
+            <a:spLocks noGrp="1"/>
+          </p:cNvSpPr>
+          <p:nvPr>
+            <p:ph type="title"/>
+          </p:nvPr>
+        </p:nvSpPr>
+        <p:spPr>
+          <a:xfrm>
+            <a:off x="609600" y="274637"/>
+            <a:ext cx="7924800" cy="2407797"/>
+          </a:xfrm>
+        </p:spPr>
+        <p:txBody>
+          <a:bodyPr/>
+          <a:lstStyle/>
+          <a:p>
+            <a:r>
+              <a:rPr lang="en-US" sz="1200" dirty="0" smtClean="0"/>
+              <a:t>Consider, the player is playing n –turns. Each outcome is either success(win) or a failure (loss).</a:t>
+            </a:r>
+            <a:br>
+              <a:rPr lang="en-US" sz="1200" dirty="0" smtClean="0"/>
+            </a:br>
+            <a:r>
+              <a:rPr lang="en-US" sz="1200" dirty="0" smtClean="0"/>
+              <a:t>For what value of k (k &lt;=n), P(K) is maximized?</a:t>
+            </a:r>
+            <a:endParaRPr lang="en-US" sz="1200" dirty="0"/>
+          </a:p>
+        </p:txBody>
+      </p:sp>
+      <p:pic>
+        <p:nvPicPr>
+          <p:cNvPr id="4" name="Content Placeholder 3" descr="Screen Shot 2014-07-17 at 12.18.33 PM.png"/>
+          <p:cNvPicPr>
+            <a:picLocks noGrp="1" noChangeAspect="1"/>
+          </p:cNvPicPr>
+          <p:nvPr>
+            <p:ph sz="quarter" idx="13"/>
+          </p:nvPr>
+        </p:nvPicPr>
+        <p:blipFill>
+          <a:blip r:embed="rId2">
+            <a:extLst>
+              <a:ext uri="{28A0092B-C50C-407E-A947-70E740481C1C}">
+                <a14:useLocalDpi xmlns:a14="http://schemas.microsoft.com/office/drawing/2010/main" val="0"/>
+              </a:ext>
+            </a:extLst>
+          </a:blip>
+          <a:srcRect l="-39197" r="-39197"/>
+          <a:stretch>
+            <a:fillRect/>
+          </a:stretch>
+        </p:blipFill>
+        <p:spPr>
+          <a:xfrm>
+            <a:off x="609600" y="2944813"/>
+            <a:ext cx="7924800" cy="2770187"/>
+          </a:xfrm>
+        </p:spPr>
+      </p:pic>
+    </p:spTree>
+    <p:extLst>
+      <p:ext uri="{BB962C8B-B14F-4D97-AF65-F5344CB8AC3E}">
+        <p14:creationId xmlns:p14="http://schemas.microsoft.com/office/powerpoint/2010/main" val="2277339791"/>
+      </p:ext>
+    </p:extLst>
+  </p:cSld>
+  <p:clrMapOvr>
+    <a:masterClrMapping/>
+  </p:clrMapOvr>
+</p:sld>
+</file>
+
+<file path=ppt/slides/slide13.xml><?xml version="1.0" encoding="utf-8"?>
+<p:sld xmlns:a="http://schemas.openxmlformats.org/drawingml/2006/main" xmlns:r="http://schemas.openxmlformats.org/officeDocument/2006/relationships" xmlns:p="http://schemas.openxmlformats.org/presentationml/2006/main">
+  <p:cSld>
+    <p:spTree>
+      <p:nvGrpSpPr>
+        <p:cNvPr id="1" name=""/>
+        <p:cNvGrpSpPr/>
+        <p:nvPr/>
+      </p:nvGrpSpPr>
+      <p:grpSpPr>
+        <a:xfrm>
+          <a:off x="0" y="0"/>
+          <a:ext cx="0" cy="0"/>
+          <a:chOff x="0" y="0"/>
+          <a:chExt cx="0" cy="0"/>
+        </a:xfrm>
+      </p:grpSpPr>
+      <p:sp>
+        <p:nvSpPr>
+          <p:cNvPr id="2" name="Title 1"/>
+          <p:cNvSpPr>
+            <a:spLocks noGrp="1"/>
+          </p:cNvSpPr>
+          <p:nvPr>
+            <p:ph type="title"/>
+          </p:nvPr>
+        </p:nvSpPr>
+        <p:spPr/>
+        <p:txBody>
+          <a:bodyPr/>
+          <a:lstStyle/>
+          <a:p>
+            <a:r>
+              <a:rPr lang="en-US" sz="1400" dirty="0" smtClean="0"/>
+              <a:t>Assume, our cheat model for detecting possible cheaters shows false positive with probability 1% and false negative with probability 2%. In test population 10% of players cheats. Given that someone tested negative for the cheat, what is the probability that he/she is not a fair player?</a:t>
+            </a:r>
+            <a:endParaRPr lang="en-US" sz="1400" dirty="0"/>
+          </a:p>
+        </p:txBody>
+      </p:sp>
+      <p:pic>
+        <p:nvPicPr>
+          <p:cNvPr id="4" name="Content Placeholder 3" descr="Screen Shot 2014-07-21 at 6.40.37 PM.png"/>
+          <p:cNvPicPr>
+            <a:picLocks noGrp="1" noChangeAspect="1"/>
+          </p:cNvPicPr>
+          <p:nvPr>
+            <p:ph sz="quarter" idx="13"/>
+          </p:nvPr>
+        </p:nvPicPr>
+        <p:blipFill>
+          <a:blip r:embed="rId2">
+            <a:extLst>
+              <a:ext uri="{28A0092B-C50C-407E-A947-70E740481C1C}">
+                <a14:useLocalDpi xmlns:a14="http://schemas.microsoft.com/office/drawing/2010/main" val="0"/>
+              </a:ext>
+            </a:extLst>
+          </a:blip>
+          <a:srcRect l="-29012" r="-29012"/>
+          <a:stretch>
+            <a:fillRect/>
+          </a:stretch>
+        </p:blipFill>
+        <p:spPr/>
+      </p:pic>
+    </p:spTree>
+    <p:extLst>
+      <p:ext uri="{BB962C8B-B14F-4D97-AF65-F5344CB8AC3E}">
+        <p14:creationId xmlns:p14="http://schemas.microsoft.com/office/powerpoint/2010/main" val="2582435970"/>
+      </p:ext>
+    </p:extLst>
+  </p:cSld>
+  <p:clrMapOvr>
+    <a:masterClrMapping/>
+  </p:clrMapOvr>
+</p:sld>
+</file>
+
+<file path=ppt/slides/slide14.xml><?xml version="1.0" encoding="utf-8"?>
 <p:sld xmlns:a="http://schemas.openxmlformats.org/drawingml/2006/main" xmlns:r="http://schemas.openxmlformats.org/officeDocument/2006/relationships" xmlns:p="http://schemas.openxmlformats.org/presentationml/2006/main">
   <p:cSld>
     <p:spTree>
@@ -3810,7 +4738,7 @@
 </p:sld>
 </file>
 
-<file path=ppt/slides/slide12.xml><?xml version="1.0" encoding="utf-8"?>
+<file path=ppt/slides/slide15.xml><?xml version="1.0" encoding="utf-8"?>
 <p:sld xmlns:a="http://schemas.openxmlformats.org/drawingml/2006/main" xmlns:r="http://schemas.openxmlformats.org/officeDocument/2006/relationships" xmlns:p="http://schemas.openxmlformats.org/presentationml/2006/main">
   <p:cSld>
     <p:spTree>
@@ -3892,7 +4820,7 @@
 </p:sld>
 </file>
 
-<file path=ppt/slides/slide13.xml><?xml version="1.0" encoding="utf-8"?>
+<file path=ppt/slides/slide16.xml><?xml version="1.0" encoding="utf-8"?>
 <p:sld xmlns:a="http://schemas.openxmlformats.org/drawingml/2006/main" xmlns:r="http://schemas.openxmlformats.org/officeDocument/2006/relationships" xmlns:p="http://schemas.openxmlformats.org/presentationml/2006/main">
   <p:cSld>
     <p:spTree>
@@ -3970,7 +4898,7 @@
 </p:sld>
 </file>
 
-<file path=ppt/slides/slide14.xml><?xml version="1.0" encoding="utf-8"?>
+<file path=ppt/slides/slide17.xml><?xml version="1.0" encoding="utf-8"?>
 <p:sld xmlns:a="http://schemas.openxmlformats.org/drawingml/2006/main" xmlns:r="http://schemas.openxmlformats.org/officeDocument/2006/relationships" xmlns:p="http://schemas.openxmlformats.org/presentationml/2006/main">
   <p:cSld>
     <p:spTree>
@@ -4298,6 +5226,170 @@
           <a:p>
             <a:r>
               <a:rPr lang="en-US" dirty="0" smtClean="0"/>
+              <a:t>Theory.</a:t>
+            </a:r>
+            <a:endParaRPr lang="en-US" dirty="0"/>
+          </a:p>
+        </p:txBody>
+      </p:sp>
+      <p:pic>
+        <p:nvPicPr>
+          <p:cNvPr id="4" name="Content Placeholder 3" descr="Screen Shot 2014-07-21 at 12.39.31 PM.png"/>
+          <p:cNvPicPr>
+            <a:picLocks noGrp="1" noChangeAspect="1"/>
+          </p:cNvPicPr>
+          <p:nvPr>
+            <p:ph sz="quarter" idx="13"/>
+          </p:nvPr>
+        </p:nvPicPr>
+        <p:blipFill>
+          <a:blip r:embed="rId2">
+            <a:extLst>
+              <a:ext uri="{28A0092B-C50C-407E-A947-70E740481C1C}">
+                <a14:useLocalDpi xmlns:a14="http://schemas.microsoft.com/office/drawing/2010/main" val="0"/>
+              </a:ext>
+            </a:extLst>
+          </a:blip>
+          <a:srcRect l="-2702" r="-2702"/>
+          <a:stretch>
+            <a:fillRect/>
+          </a:stretch>
+        </p:blipFill>
+        <p:spPr/>
+      </p:pic>
+    </p:spTree>
+    <p:extLst>
+      <p:ext uri="{BB962C8B-B14F-4D97-AF65-F5344CB8AC3E}">
+        <p14:creationId xmlns:p14="http://schemas.microsoft.com/office/powerpoint/2010/main" val="1089525787"/>
+      </p:ext>
+    </p:extLst>
+  </p:cSld>
+  <p:clrMapOvr>
+    <a:masterClrMapping/>
+  </p:clrMapOvr>
+</p:sld>
+</file>
+
+<file path=ppt/slides/slide5.xml><?xml version="1.0" encoding="utf-8"?>
+<p:sld xmlns:a="http://schemas.openxmlformats.org/drawingml/2006/main" xmlns:r="http://schemas.openxmlformats.org/officeDocument/2006/relationships" xmlns:p="http://schemas.openxmlformats.org/presentationml/2006/main">
+  <p:cSld>
+    <p:spTree>
+      <p:nvGrpSpPr>
+        <p:cNvPr id="1" name=""/>
+        <p:cNvGrpSpPr/>
+        <p:nvPr/>
+      </p:nvGrpSpPr>
+      <p:grpSpPr>
+        <a:xfrm>
+          <a:off x="0" y="0"/>
+          <a:ext cx="0" cy="0"/>
+          <a:chOff x="0" y="0"/>
+          <a:chExt cx="0" cy="0"/>
+        </a:xfrm>
+      </p:grpSpPr>
+      <p:sp>
+        <p:nvSpPr>
+          <p:cNvPr id="2" name="Title 1"/>
+          <p:cNvSpPr>
+            <a:spLocks noGrp="1"/>
+          </p:cNvSpPr>
+          <p:nvPr>
+            <p:ph type="title"/>
+          </p:nvPr>
+        </p:nvSpPr>
+        <p:spPr/>
+        <p:txBody>
+          <a:bodyPr/>
+          <a:lstStyle/>
+          <a:p>
+            <a:r>
+              <a:rPr lang="en-US" dirty="0" smtClean="0"/>
+              <a:t>What is expectation, variance in paying slots?</a:t>
+            </a:r>
+            <a:endParaRPr lang="en-US" dirty="0"/>
+          </a:p>
+        </p:txBody>
+      </p:sp>
+      <p:pic>
+        <p:nvPicPr>
+          <p:cNvPr id="4" name="Content Placeholder 3"/>
+          <p:cNvPicPr>
+            <a:picLocks noGrp="1"/>
+          </p:cNvPicPr>
+          <p:nvPr>
+            <p:ph sz="quarter" idx="13"/>
+          </p:nvPr>
+        </p:nvPicPr>
+        <p:blipFill>
+          <a:blip r:embed="rId2">
+            <a:extLst>
+              <a:ext uri="{28A0092B-C50C-407E-A947-70E740481C1C}">
+                <a14:useLocalDpi xmlns:a14="http://schemas.microsoft.com/office/drawing/2010/main" val="0"/>
+              </a:ext>
+            </a:extLst>
+          </a:blip>
+          <a:srcRect t="-56993" b="-56993"/>
+          <a:stretch>
+            <a:fillRect/>
+          </a:stretch>
+        </p:blipFill>
+        <p:spPr bwMode="auto">
+          <a:prstGeom prst="rect">
+            <a:avLst/>
+          </a:prstGeom>
+          <a:noFill/>
+          <a:ln>
+            <a:noFill/>
+          </a:ln>
+        </p:spPr>
+      </p:pic>
+    </p:spTree>
+    <p:extLst>
+      <p:ext uri="{BB962C8B-B14F-4D97-AF65-F5344CB8AC3E}">
+        <p14:creationId xmlns:p14="http://schemas.microsoft.com/office/powerpoint/2010/main" val="299730610"/>
+      </p:ext>
+    </p:extLst>
+  </p:cSld>
+  <p:clrMapOvr>
+    <a:masterClrMapping/>
+  </p:clrMapOvr>
+</p:sld>
+</file>
+
+<file path=ppt/slides/slide6.xml><?xml version="1.0" encoding="utf-8"?>
+<p:sld xmlns:a="http://schemas.openxmlformats.org/drawingml/2006/main" xmlns:r="http://schemas.openxmlformats.org/officeDocument/2006/relationships" xmlns:p="http://schemas.openxmlformats.org/presentationml/2006/main">
+  <p:cSld>
+    <p:spTree>
+      <p:nvGrpSpPr>
+        <p:cNvPr id="1" name=""/>
+        <p:cNvGrpSpPr/>
+        <p:nvPr/>
+      </p:nvGrpSpPr>
+      <p:grpSpPr>
+        <a:xfrm>
+          <a:off x="0" y="0"/>
+          <a:ext cx="0" cy="0"/>
+          <a:chOff x="0" y="0"/>
+          <a:chExt cx="0" cy="0"/>
+        </a:xfrm>
+      </p:grpSpPr>
+      <p:sp>
+        <p:nvSpPr>
+          <p:cNvPr id="2" name="Title 1"/>
+          <p:cNvSpPr>
+            <a:spLocks noGrp="1"/>
+          </p:cNvSpPr>
+          <p:nvPr>
+            <p:ph type="title"/>
+          </p:nvPr>
+        </p:nvSpPr>
+        <p:spPr/>
+        <p:txBody>
+          <a:bodyPr/>
+          <a:lstStyle/>
+          <a:p>
+            <a:r>
+              <a:rPr lang="en-US" dirty="0" smtClean="0"/>
               <a:t>Question</a:t>
             </a:r>
             <a:endParaRPr lang="en-US" dirty="0"/>
@@ -4363,7 +5455,7 @@
 </p:sld>
 </file>
 
-<file path=ppt/slides/slide5.xml><?xml version="1.0" encoding="utf-8"?>
+<file path=ppt/slides/slide7.xml><?xml version="1.0" encoding="utf-8"?>
 <p:sld xmlns:a="http://schemas.openxmlformats.org/drawingml/2006/main" xmlns:r="http://schemas.openxmlformats.org/officeDocument/2006/relationships" xmlns:p="http://schemas.openxmlformats.org/presentationml/2006/main">
   <p:cSld>
     <p:spTree>
@@ -4543,7 +5635,7 @@
 </p:sld>
 </file>
 
-<file path=ppt/slides/slide6.xml><?xml version="1.0" encoding="utf-8"?>
+<file path=ppt/slides/slide8.xml><?xml version="1.0" encoding="utf-8"?>
 <p:sld xmlns:a="http://schemas.openxmlformats.org/drawingml/2006/main" xmlns:r="http://schemas.openxmlformats.org/officeDocument/2006/relationships" xmlns:p="http://schemas.openxmlformats.org/presentationml/2006/main">
   <p:cSld>
     <p:spTree>
@@ -4675,7 +5767,7 @@
 </p:sld>
 </file>
 
-<file path=ppt/slides/slide7.xml><?xml version="1.0" encoding="utf-8"?>
+<file path=ppt/slides/slide9.xml><?xml version="1.0" encoding="utf-8"?>
 <p:sld xmlns:a="http://schemas.openxmlformats.org/drawingml/2006/main" xmlns:r="http://schemas.openxmlformats.org/officeDocument/2006/relationships" xmlns:p="http://schemas.openxmlformats.org/presentationml/2006/main">
   <p:cSld>
     <p:spTree>
@@ -4750,159 +5842,6 @@
     <p:extLst>
       <p:ext uri="{BB962C8B-B14F-4D97-AF65-F5344CB8AC3E}">
         <p14:creationId xmlns:p14="http://schemas.microsoft.com/office/powerpoint/2010/main" val="1098788128"/>
-      </p:ext>
-    </p:extLst>
-  </p:cSld>
-  <p:clrMapOvr>
-    <a:masterClrMapping/>
-  </p:clrMapOvr>
-</p:sld>
-</file>
-
-<file path=ppt/slides/slide8.xml><?xml version="1.0" encoding="utf-8"?>
-<p:sld xmlns:a="http://schemas.openxmlformats.org/drawingml/2006/main" xmlns:r="http://schemas.openxmlformats.org/officeDocument/2006/relationships" xmlns:p="http://schemas.openxmlformats.org/presentationml/2006/main">
-  <p:cSld>
-    <p:spTree>
-      <p:nvGrpSpPr>
-        <p:cNvPr id="1" name=""/>
-        <p:cNvGrpSpPr/>
-        <p:nvPr/>
-      </p:nvGrpSpPr>
-      <p:grpSpPr>
-        <a:xfrm>
-          <a:off x="0" y="0"/>
-          <a:ext cx="0" cy="0"/>
-          <a:chOff x="0" y="0"/>
-          <a:chExt cx="0" cy="0"/>
-        </a:xfrm>
-      </p:grpSpPr>
-      <p:sp>
-        <p:nvSpPr>
-          <p:cNvPr id="2" name="Title 1"/>
-          <p:cNvSpPr>
-            <a:spLocks noGrp="1"/>
-          </p:cNvSpPr>
-          <p:nvPr>
-            <p:ph type="title"/>
-          </p:nvPr>
-        </p:nvSpPr>
-        <p:spPr>
-          <a:xfrm>
-            <a:off x="609600" y="274638"/>
-            <a:ext cx="7924800" cy="3360335"/>
-          </a:xfrm>
-        </p:spPr>
-        <p:txBody>
-          <a:bodyPr/>
-          <a:lstStyle/>
-          <a:p>
-            <a:r>
-              <a:rPr lang="en-US" sz="2000" dirty="0" smtClean="0"/>
-              <a:t>What’s is the optimal number of games the player has to play attaining the maximum probability to win?</a:t>
-            </a:r>
-            <a:endParaRPr lang="en-US" sz="2000" dirty="0"/>
-          </a:p>
-        </p:txBody>
-      </p:sp>
-    </p:spTree>
-    <p:extLst>
-      <p:ext uri="{BB962C8B-B14F-4D97-AF65-F5344CB8AC3E}">
-        <p14:creationId xmlns:p14="http://schemas.microsoft.com/office/powerpoint/2010/main" val="1313687846"/>
-      </p:ext>
-    </p:extLst>
-  </p:cSld>
-  <p:clrMapOvr>
-    <a:masterClrMapping/>
-  </p:clrMapOvr>
-</p:sld>
-</file>
-
-<file path=ppt/slides/slide9.xml><?xml version="1.0" encoding="utf-8"?>
-<p:sld xmlns:a="http://schemas.openxmlformats.org/drawingml/2006/main" xmlns:r="http://schemas.openxmlformats.org/officeDocument/2006/relationships" xmlns:p="http://schemas.openxmlformats.org/presentationml/2006/main">
-  <p:cSld>
-    <p:spTree>
-      <p:nvGrpSpPr>
-        <p:cNvPr id="1" name=""/>
-        <p:cNvGrpSpPr/>
-        <p:nvPr/>
-      </p:nvGrpSpPr>
-      <p:grpSpPr>
-        <a:xfrm>
-          <a:off x="0" y="0"/>
-          <a:ext cx="0" cy="0"/>
-          <a:chOff x="0" y="0"/>
-          <a:chExt cx="0" cy="0"/>
-        </a:xfrm>
-      </p:grpSpPr>
-      <p:sp>
-        <p:nvSpPr>
-          <p:cNvPr id="2" name="Title 1"/>
-          <p:cNvSpPr>
-            <a:spLocks noGrp="1"/>
-          </p:cNvSpPr>
-          <p:nvPr>
-            <p:ph type="title"/>
-          </p:nvPr>
-        </p:nvSpPr>
-        <p:spPr>
-          <a:xfrm>
-            <a:off x="609600" y="274637"/>
-            <a:ext cx="7924800" cy="2407797"/>
-          </a:xfrm>
-        </p:spPr>
-        <p:txBody>
-          <a:bodyPr/>
-          <a:lstStyle/>
-          <a:p>
-            <a:r>
-              <a:rPr lang="en-US" sz="1200" dirty="0" smtClean="0"/>
-              <a:t>Consider, the player is playing n –turns. Each outcome is either success(win) or a failure (loss).</a:t>
-            </a:r>
-            <a:br>
-              <a:rPr lang="en-US" sz="1200" dirty="0" smtClean="0"/>
-            </a:br>
-            <a:r>
-              <a:rPr lang="en-US" sz="1200" dirty="0" smtClean="0"/>
-              <a:t>For what value of k (k &lt;=n), P(K) is maximized?</a:t>
-            </a:r>
-            <a:endParaRPr lang="en-US" sz="1200" dirty="0"/>
-          </a:p>
-        </p:txBody>
-      </p:sp>
-      <p:pic>
-        <p:nvPicPr>
-          <p:cNvPr id="4" name="Content Placeholder 3" descr="Screen Shot 2014-07-17 at 12.18.33 PM.png"/>
-          <p:cNvPicPr>
-            <a:picLocks noGrp="1" noChangeAspect="1"/>
-          </p:cNvPicPr>
-          <p:nvPr>
-            <p:ph sz="quarter" idx="13"/>
-          </p:nvPr>
-        </p:nvPicPr>
-        <p:blipFill>
-          <a:blip r:embed="rId2">
-            <a:extLst>
-              <a:ext uri="{28A0092B-C50C-407E-A947-70E740481C1C}">
-                <a14:useLocalDpi xmlns:a14="http://schemas.microsoft.com/office/drawing/2010/main" val="0"/>
-              </a:ext>
-            </a:extLst>
-          </a:blip>
-          <a:srcRect l="-39197" r="-39197"/>
-          <a:stretch>
-            <a:fillRect/>
-          </a:stretch>
-        </p:blipFill>
-        <p:spPr>
-          <a:xfrm>
-            <a:off x="609600" y="2944813"/>
-            <a:ext cx="7924800" cy="2770187"/>
-          </a:xfrm>
-        </p:spPr>
-      </p:pic>
-    </p:spTree>
-    <p:extLst>
-      <p:ext uri="{BB962C8B-B14F-4D97-AF65-F5344CB8AC3E}">
-        <p14:creationId xmlns:p14="http://schemas.microsoft.com/office/powerpoint/2010/main" val="2277339791"/>
       </p:ext>
     </p:extLst>
   </p:cSld>
